--- a/project-report.pptx
+++ b/project-report.pptx
@@ -106,6 +106,11 @@
       </a:defRPr>
     </a:lvl9pPr>
   </p:defaultTextStyle>
+  <p:extLst>
+    <p:ext uri="{EFAFB233-063F-42B5-8137-9DF3F51BA10A}">
+      <p15:sldGuideLst xmlns:p15="http://schemas.microsoft.com/office/powerpoint/2012/main"/>
+    </p:ext>
+  </p:extLst>
 </p:presentation>
 </file>
 
@@ -246,7 +251,7 @@
           <a:p>
             <a:fld id="{E4333F67-6239-4CD9-B809-9E7A6D112B45}" type="datetimeFigureOut">
               <a:rPr lang="zh-CN" altLang="en-US" smtClean="0"/>
-              <a:t>2017/12/29</a:t>
+              <a:t>2017/12/30</a:t>
             </a:fld>
             <a:endParaRPr lang="zh-CN" altLang="en-US"/>
           </a:p>
@@ -533,7 +538,7 @@
           <a:p>
             <a:fld id="{E4333F67-6239-4CD9-B809-9E7A6D112B45}" type="datetimeFigureOut">
               <a:rPr lang="zh-CN" altLang="en-US" smtClean="0"/>
-              <a:t>2017/12/29</a:t>
+              <a:t>2017/12/30</a:t>
             </a:fld>
             <a:endParaRPr lang="zh-CN" altLang="en-US"/>
           </a:p>
@@ -725,7 +730,7 @@
           <a:p>
             <a:fld id="{E4333F67-6239-4CD9-B809-9E7A6D112B45}" type="datetimeFigureOut">
               <a:rPr lang="zh-CN" altLang="en-US" smtClean="0"/>
-              <a:t>2017/12/29</a:t>
+              <a:t>2017/12/30</a:t>
             </a:fld>
             <a:endParaRPr lang="zh-CN" altLang="en-US"/>
           </a:p>
@@ -986,7 +991,7 @@
           <a:p>
             <a:fld id="{E4333F67-6239-4CD9-B809-9E7A6D112B45}" type="datetimeFigureOut">
               <a:rPr lang="zh-CN" altLang="en-US" smtClean="0"/>
-              <a:t>2017/12/29</a:t>
+              <a:t>2017/12/30</a:t>
             </a:fld>
             <a:endParaRPr lang="zh-CN" altLang="en-US"/>
           </a:p>
@@ -1410,7 +1415,7 @@
           <a:p>
             <a:fld id="{E4333F67-6239-4CD9-B809-9E7A6D112B45}" type="datetimeFigureOut">
               <a:rPr lang="zh-CN" altLang="en-US" smtClean="0"/>
-              <a:t>2017/12/29</a:t>
+              <a:t>2017/12/30</a:t>
             </a:fld>
             <a:endParaRPr lang="zh-CN" altLang="en-US"/>
           </a:p>
@@ -1956,7 +1961,7 @@
           <a:p>
             <a:fld id="{E4333F67-6239-4CD9-B809-9E7A6D112B45}" type="datetimeFigureOut">
               <a:rPr lang="zh-CN" altLang="en-US" smtClean="0"/>
-              <a:t>2017/12/29</a:t>
+              <a:t>2017/12/30</a:t>
             </a:fld>
             <a:endParaRPr lang="zh-CN" altLang="en-US"/>
           </a:p>
@@ -2796,7 +2801,7 @@
           <a:p>
             <a:fld id="{E4333F67-6239-4CD9-B809-9E7A6D112B45}" type="datetimeFigureOut">
               <a:rPr lang="zh-CN" altLang="en-US" smtClean="0"/>
-              <a:t>2017/12/29</a:t>
+              <a:t>2017/12/30</a:t>
             </a:fld>
             <a:endParaRPr lang="zh-CN" altLang="en-US"/>
           </a:p>
@@ -2966,7 +2971,7 @@
           <a:p>
             <a:fld id="{E4333F67-6239-4CD9-B809-9E7A6D112B45}" type="datetimeFigureOut">
               <a:rPr lang="zh-CN" altLang="en-US" smtClean="0"/>
-              <a:t>2017/12/29</a:t>
+              <a:t>2017/12/30</a:t>
             </a:fld>
             <a:endParaRPr lang="zh-CN" altLang="en-US"/>
           </a:p>
@@ -3150,7 +3155,7 @@
           <a:p>
             <a:fld id="{E4333F67-6239-4CD9-B809-9E7A6D112B45}" type="datetimeFigureOut">
               <a:rPr lang="zh-CN" altLang="en-US" smtClean="0"/>
-              <a:t>2017/12/29</a:t>
+              <a:t>2017/12/30</a:t>
             </a:fld>
             <a:endParaRPr lang="zh-CN" altLang="en-US"/>
           </a:p>
@@ -3320,7 +3325,7 @@
           <a:p>
             <a:fld id="{E4333F67-6239-4CD9-B809-9E7A6D112B45}" type="datetimeFigureOut">
               <a:rPr lang="zh-CN" altLang="en-US" smtClean="0"/>
-              <a:t>2017/12/29</a:t>
+              <a:t>2017/12/30</a:t>
             </a:fld>
             <a:endParaRPr lang="zh-CN" altLang="en-US"/>
           </a:p>
@@ -3568,7 +3573,7 @@
           <a:p>
             <a:fld id="{E4333F67-6239-4CD9-B809-9E7A6D112B45}" type="datetimeFigureOut">
               <a:rPr lang="zh-CN" altLang="en-US" smtClean="0"/>
-              <a:t>2017/12/29</a:t>
+              <a:t>2017/12/30</a:t>
             </a:fld>
             <a:endParaRPr lang="zh-CN" altLang="en-US"/>
           </a:p>
@@ -3805,7 +3810,7 @@
           <a:p>
             <a:fld id="{E4333F67-6239-4CD9-B809-9E7A6D112B45}" type="datetimeFigureOut">
               <a:rPr lang="zh-CN" altLang="en-US" smtClean="0"/>
-              <a:t>2017/12/29</a:t>
+              <a:t>2017/12/30</a:t>
             </a:fld>
             <a:endParaRPr lang="zh-CN" altLang="en-US"/>
           </a:p>
@@ -4178,7 +4183,7 @@
           <a:p>
             <a:fld id="{E4333F67-6239-4CD9-B809-9E7A6D112B45}" type="datetimeFigureOut">
               <a:rPr lang="zh-CN" altLang="en-US" smtClean="0"/>
-              <a:t>2017/12/29</a:t>
+              <a:t>2017/12/30</a:t>
             </a:fld>
             <a:endParaRPr lang="zh-CN" altLang="en-US"/>
           </a:p>
@@ -4296,7 +4301,7 @@
           <a:p>
             <a:fld id="{E4333F67-6239-4CD9-B809-9E7A6D112B45}" type="datetimeFigureOut">
               <a:rPr lang="zh-CN" altLang="en-US" smtClean="0"/>
-              <a:t>2017/12/29</a:t>
+              <a:t>2017/12/30</a:t>
             </a:fld>
             <a:endParaRPr lang="zh-CN" altLang="en-US"/>
           </a:p>
@@ -4391,7 +4396,7 @@
           <a:p>
             <a:fld id="{E4333F67-6239-4CD9-B809-9E7A6D112B45}" type="datetimeFigureOut">
               <a:rPr lang="zh-CN" altLang="en-US" smtClean="0"/>
-              <a:t>2017/12/29</a:t>
+              <a:t>2017/12/30</a:t>
             </a:fld>
             <a:endParaRPr lang="zh-CN" altLang="en-US"/>
           </a:p>
@@ -4642,7 +4647,7 @@
           <a:p>
             <a:fld id="{E4333F67-6239-4CD9-B809-9E7A6D112B45}" type="datetimeFigureOut">
               <a:rPr lang="zh-CN" altLang="en-US" smtClean="0"/>
-              <a:t>2017/12/29</a:t>
+              <a:t>2017/12/30</a:t>
             </a:fld>
             <a:endParaRPr lang="zh-CN" altLang="en-US"/>
           </a:p>
@@ -4929,7 +4934,7 @@
           <a:p>
             <a:fld id="{E4333F67-6239-4CD9-B809-9E7A6D112B45}" type="datetimeFigureOut">
               <a:rPr lang="zh-CN" altLang="en-US" smtClean="0"/>
-              <a:t>2017/12/29</a:t>
+              <a:t>2017/12/30</a:t>
             </a:fld>
             <a:endParaRPr lang="zh-CN" altLang="en-US"/>
           </a:p>
@@ -5142,7 +5147,7 @@
           <a:p>
             <a:fld id="{E4333F67-6239-4CD9-B809-9E7A6D112B45}" type="datetimeFigureOut">
               <a:rPr lang="zh-CN" altLang="en-US" smtClean="0"/>
-              <a:t>2017/12/29</a:t>
+              <a:t>2017/12/30</a:t>
             </a:fld>
             <a:endParaRPr lang="zh-CN" altLang="en-US"/>
           </a:p>
@@ -5899,7 +5904,7 @@
                 <a:latin typeface="+mj-ea"/>
                 <a:ea typeface="+mj-ea"/>
               </a:rPr>
-              <a:t>程序实现和特性</a:t>
+              <a:t>程序实现、特性和难点</a:t>
             </a:r>
             <a:endParaRPr lang="en-US" altLang="zh-CN" sz="3200" dirty="0">
               <a:latin typeface="+mj-ea"/>
@@ -5913,7 +5918,7 @@
                 <a:latin typeface="+mj-ea"/>
                 <a:ea typeface="+mj-ea"/>
               </a:rPr>
-              <a:t>MVC</a:t>
+              <a:t>MVC </a:t>
             </a:r>
             <a:r>
               <a:rPr lang="zh-CN" altLang="en-US" sz="3000" dirty="0">
@@ -5934,7 +5939,7 @@
                 <a:latin typeface="+mj-ea"/>
                 <a:ea typeface="+mj-ea"/>
               </a:rPr>
-              <a:t>JavaFX</a:t>
+              <a:t>JavaFX </a:t>
             </a:r>
             <a:r>
               <a:rPr lang="zh-CN" altLang="en-US" sz="3000" dirty="0">
